--- a/ArtViz2.pptx
+++ b/ArtViz2.pptx
@@ -5,10 +5,10 @@
     <p:sldMasterId id="2147483696" r:id="rId2"/>
   </p:sldMasterIdLst>
   <p:notesMasterIdLst>
-    <p:notesMasterId r:id="rId15"/>
+    <p:notesMasterId r:id="rId17"/>
   </p:notesMasterIdLst>
   <p:handoutMasterIdLst>
-    <p:handoutMasterId r:id="rId16"/>
+    <p:handoutMasterId r:id="rId18"/>
   </p:handoutMasterIdLst>
   <p:sldIdLst>
     <p:sldId id="257" r:id="rId3"/>
@@ -20,9 +20,11 @@
     <p:sldId id="263" r:id="rId9"/>
     <p:sldId id="264" r:id="rId10"/>
     <p:sldId id="265" r:id="rId11"/>
-    <p:sldId id="266" r:id="rId12"/>
-    <p:sldId id="268" r:id="rId13"/>
-    <p:sldId id="267" r:id="rId14"/>
+    <p:sldId id="269" r:id="rId12"/>
+    <p:sldId id="270" r:id="rId13"/>
+    <p:sldId id="266" r:id="rId14"/>
+    <p:sldId id="268" r:id="rId15"/>
+    <p:sldId id="267" r:id="rId16"/>
   </p:sldIdLst>
   <p:sldSz cx="12192000" cy="6858000"/>
   <p:notesSz cx="6858000" cy="9144000"/>
@@ -214,7 +216,7 @@
           <a:p>
             <a:fld id="{CF8C66D5-35F2-4B2B-B66A-28018F619124}" type="datetimeFigureOut">
               <a:rPr lang="en-US" smtClean="0"/>
-              <a:t>8/14/2015</a:t>
+              <a:t>8/19/2015</a:t>
             </a:fld>
             <a:endParaRPr lang="en-US"/>
           </a:p>
@@ -379,7 +381,7 @@
           <a:p>
             <a:fld id="{654B7E8A-1102-47A1-B1C3-36AE88809383}" type="datetimeFigureOut">
               <a:rPr lang="en-US" smtClean="0"/>
-              <a:t>8/14/2015</a:t>
+              <a:t>8/19/2015</a:t>
             </a:fld>
             <a:endParaRPr lang="en-US"/>
           </a:p>
@@ -1090,7 +1092,7 @@
           <a:p>
             <a:fld id="{5DE3B5DE-687E-4601-9C25-48F7ABE0D7C5}" type="datetime1">
               <a:rPr lang="en-US" smtClean="0"/>
-              <a:t>8/14/2015</a:t>
+              <a:t>8/19/2015</a:t>
             </a:fld>
             <a:endParaRPr lang="en-US"/>
           </a:p>
@@ -1337,7 +1339,7 @@
           <a:p>
             <a:fld id="{BFD467DE-D084-42AA-B27F-22F6084CB8BB}" type="datetime1">
               <a:rPr lang="en-US" smtClean="0"/>
-              <a:t>8/14/2015</a:t>
+              <a:t>8/19/2015</a:t>
             </a:fld>
             <a:endParaRPr lang="en-US"/>
           </a:p>
@@ -1584,7 +1586,7 @@
           <a:p>
             <a:fld id="{3782E027-C2A0-4932-A761-986BAD82B671}" type="datetime1">
               <a:rPr lang="en-US" smtClean="0"/>
-              <a:t>8/14/2015</a:t>
+              <a:t>8/19/2015</a:t>
             </a:fld>
             <a:endParaRPr lang="en-US"/>
           </a:p>
@@ -1831,7 +1833,7 @@
           <a:p>
             <a:fld id="{96AC42F1-294F-4AFB-8F78-2EF579F09459}" type="datetime1">
               <a:rPr lang="en-US" smtClean="0"/>
-              <a:t>8/14/2015</a:t>
+              <a:t>8/19/2015</a:t>
             </a:fld>
             <a:endParaRPr lang="en-US"/>
           </a:p>
@@ -2090,7 +2092,7 @@
           <a:p>
             <a:fld id="{1580A6EB-69F5-4723-B5E3-A6D9E36A957A}" type="datetime1">
               <a:rPr lang="en-US" smtClean="0"/>
-              <a:t>8/14/2015</a:t>
+              <a:t>8/19/2015</a:t>
             </a:fld>
             <a:endParaRPr lang="en-US"/>
           </a:p>
@@ -2453,7 +2455,7 @@
           <a:p>
             <a:fld id="{0FB02ED0-9CAE-481B-8D1D-B242F0282967}" type="datetime1">
               <a:rPr lang="en-US" smtClean="0"/>
-              <a:t>8/14/2015</a:t>
+              <a:t>8/19/2015</a:t>
             </a:fld>
             <a:endParaRPr lang="en-US"/>
           </a:p>
@@ -2952,7 +2954,7 @@
           <a:p>
             <a:fld id="{4696AB3F-7B84-45BD-A122-497866A73F4B}" type="datetime1">
               <a:rPr lang="en-US" smtClean="0"/>
-              <a:t>8/14/2015</a:t>
+              <a:t>8/19/2015</a:t>
             </a:fld>
             <a:endParaRPr lang="en-US"/>
           </a:p>
@@ -3139,7 +3141,7 @@
           <a:p>
             <a:fld id="{6395E536-1457-4CE4-8497-197239F05587}" type="datetime1">
               <a:rPr lang="en-US" smtClean="0"/>
-              <a:t>8/14/2015</a:t>
+              <a:t>8/19/2015</a:t>
             </a:fld>
             <a:endParaRPr lang="en-US"/>
           </a:p>
@@ -3295,7 +3297,7 @@
           <a:p>
             <a:fld id="{A4AF2F65-2726-4707-A7A6-DE21D14E80C5}" type="datetime1">
               <a:rPr lang="en-US" smtClean="0"/>
-              <a:t>8/14/2015</a:t>
+              <a:t>8/19/2015</a:t>
             </a:fld>
             <a:endParaRPr lang="en-US"/>
           </a:p>
@@ -3642,7 +3644,7 @@
           <a:p>
             <a:fld id="{1FA85564-6B99-4FC4-9CE3-22E750398B2E}" type="datetime1">
               <a:rPr lang="en-US" smtClean="0"/>
-              <a:t>8/14/2015</a:t>
+              <a:t>8/19/2015</a:t>
             </a:fld>
             <a:endParaRPr lang="en-US"/>
           </a:p>
@@ -3969,7 +3971,7 @@
           <a:p>
             <a:fld id="{2BCD2BEA-7F40-407D-B082-13022E8B2C99}" type="datetime1">
               <a:rPr lang="en-US" smtClean="0"/>
-              <a:t>8/14/2015</a:t>
+              <a:t>8/19/2015</a:t>
             </a:fld>
             <a:endParaRPr lang="en-US"/>
           </a:p>
@@ -4560,7 +4562,7 @@
           <a:p>
             <a:fld id="{CA734DBA-6852-4C6A-AB8B-E28C0C52CB53}" type="datetime1">
               <a:rPr lang="en-US" smtClean="0"/>
-              <a:t>8/14/2015</a:t>
+              <a:t>8/19/2015</a:t>
             </a:fld>
             <a:endParaRPr lang="en-US"/>
           </a:p>
@@ -5148,8 +5150,12 @@
           <a:lstStyle/>
           <a:p>
             <a:r>
+              <a:rPr lang="en-US" dirty="0" err="1"/>
+              <a:t>A</a:t>
+            </a:r>
+            <a:r>
               <a:rPr lang="en-US" dirty="0" err="1" smtClean="0"/>
-              <a:t>artLODviz</a:t>
+              <a:t>rtViz</a:t>
             </a:r>
             <a:endParaRPr lang="en-US" dirty="0"/>
           </a:p>
@@ -5216,45 +5222,45 @@
         </p:nvSpPr>
         <p:spPr>
           <a:xfrm>
-            <a:off x="838200" y="2574925"/>
-            <a:ext cx="10515600" cy="3051175"/>
+            <a:off x="838200" y="1825625"/>
+            <a:ext cx="10515600" cy="1273175"/>
           </a:xfrm>
         </p:spPr>
         <p:txBody>
           <a:bodyPr>
-            <a:normAutofit/>
+            <a:normAutofit fontScale="92500"/>
           </a:bodyPr>
           <a:lstStyle/>
           <a:p>
             <a:pPr lvl="0"/>
             <a:r>
+              <a:rPr lang="en-US" dirty="0"/>
+              <a:t>4</a:t>
+            </a:r>
+            <a:r>
               <a:rPr lang="en-US" dirty="0" smtClean="0"/>
-              <a:t>Recommender system</a:t>
-            </a:r>
-          </a:p>
-          <a:p>
-            <a:pPr lvl="0"/>
+              <a:t>. Similarity Diagram: degree of similarity between two artists</a:t>
+            </a:r>
+            <a:endParaRPr lang="en-US" dirty="0" smtClean="0"/>
+          </a:p>
+          <a:p>
+            <a:pPr lvl="1"/>
             <a:r>
               <a:rPr lang="en-US" dirty="0" smtClean="0"/>
-              <a:t>Natural Language querying</a:t>
-            </a:r>
-          </a:p>
-          <a:p>
-            <a:pPr lvl="0"/>
+              <a:t>Easy to see </a:t>
+            </a:r>
             <a:r>
               <a:rPr lang="en-US" dirty="0" smtClean="0"/>
-              <a:t>Better UI/</a:t>
-            </a:r>
-            <a:r>
-              <a:rPr lang="en-US" dirty="0" err="1" smtClean="0"/>
-              <a:t>UX</a:t>
+              <a:t>similarity index between two artists</a:t>
             </a:r>
             <a:endParaRPr lang="en-US" dirty="0" smtClean="0"/>
           </a:p>
           <a:p>
-            <a:pPr marL="0" lvl="0" indent="0">
-              <a:buNone/>
-            </a:pPr>
+            <a:pPr lvl="1"/>
+            <a:r>
+              <a:rPr lang="en-US" dirty="0" smtClean="0"/>
+              <a:t>Similarity criteria customizable (birth year, location, movement, field)</a:t>
+            </a:r>
             <a:endParaRPr lang="en-US" dirty="0" smtClean="0"/>
           </a:p>
         </p:txBody>
@@ -5276,16 +5282,49 @@
           <a:p>
             <a:r>
               <a:rPr lang="en-US" dirty="0" smtClean="0"/>
-              <a:t>What’s next?</a:t>
+              <a:t>Functionalities </a:t>
+            </a:r>
+            <a:r>
+              <a:rPr lang="en-US" dirty="0" smtClean="0"/>
+              <a:t>(4)</a:t>
             </a:r>
             <a:endParaRPr lang="en-US" dirty="0"/>
           </a:p>
         </p:txBody>
       </p:sp>
+      <p:pic>
+        <p:nvPicPr>
+          <p:cNvPr id="6" name="Picture 5"/>
+          <p:cNvPicPr/>
+          <p:nvPr/>
+        </p:nvPicPr>
+        <p:blipFill rotWithShape="1">
+          <a:blip r:embed="rId2"/>
+          <a:srcRect l="6207" t="21109" r="47413" b="4955"/>
+          <a:stretch/>
+        </p:blipFill>
+        <p:spPr bwMode="auto">
+          <a:xfrm>
+            <a:off x="3718413" y="3098800"/>
+            <a:ext cx="3990682" cy="3576555"/>
+          </a:xfrm>
+          <a:prstGeom prst="rect">
+            <a:avLst/>
+          </a:prstGeom>
+          <a:ln>
+            <a:noFill/>
+          </a:ln>
+          <a:extLst>
+            <a:ext uri="{53640926-AAD7-44D8-BBD7-CCE9431645EC}">
+              <a14:shadowObscured xmlns:a14="http://schemas.microsoft.com/office/drawing/2010/main"/>
+            </a:ext>
+          </a:extLst>
+        </p:spPr>
+      </p:pic>
     </p:spTree>
     <p:extLst>
       <p:ext uri="{BB962C8B-B14F-4D97-AF65-F5344CB8AC3E}">
-        <p14:creationId xmlns:p14="http://schemas.microsoft.com/office/powerpoint/2010/main" val="2025701893"/>
+        <p14:creationId xmlns:p14="http://schemas.microsoft.com/office/powerpoint/2010/main" val="2502535449"/>
       </p:ext>
     </p:extLst>
   </p:cSld>
@@ -5333,6 +5372,514 @@
       </p:grpSpPr>
       <p:sp>
         <p:nvSpPr>
+          <p:cNvPr id="14" name="Content Placeholder 13"/>
+          <p:cNvSpPr>
+            <a:spLocks noGrp="1"/>
+          </p:cNvSpPr>
+          <p:nvPr>
+            <p:ph idx="1"/>
+          </p:nvPr>
+        </p:nvSpPr>
+        <p:spPr>
+          <a:xfrm>
+            <a:off x="838200" y="1825625"/>
+            <a:ext cx="5210908" cy="1273175"/>
+          </a:xfrm>
+        </p:spPr>
+        <p:txBody>
+          <a:bodyPr>
+            <a:normAutofit/>
+          </a:bodyPr>
+          <a:lstStyle/>
+          <a:p>
+            <a:pPr lvl="0"/>
+            <a:r>
+              <a:rPr lang="en-US" dirty="0" smtClean="0"/>
+              <a:t>5</a:t>
+            </a:r>
+            <a:r>
+              <a:rPr lang="en-US" dirty="0" smtClean="0"/>
+              <a:t>. Concept Map: relationship visualizer</a:t>
+            </a:r>
+            <a:endParaRPr lang="en-US" dirty="0" smtClean="0"/>
+          </a:p>
+        </p:txBody>
+      </p:sp>
+      <p:sp>
+        <p:nvSpPr>
+          <p:cNvPr id="13" name="Title 12"/>
+          <p:cNvSpPr>
+            <a:spLocks noGrp="1"/>
+          </p:cNvSpPr>
+          <p:nvPr>
+            <p:ph type="title"/>
+          </p:nvPr>
+        </p:nvSpPr>
+        <p:spPr/>
+        <p:txBody>
+          <a:bodyPr/>
+          <a:lstStyle/>
+          <a:p>
+            <a:r>
+              <a:rPr lang="en-US" dirty="0" smtClean="0"/>
+              <a:t>Functionalities </a:t>
+            </a:r>
+            <a:r>
+              <a:rPr lang="en-US" dirty="0" smtClean="0"/>
+              <a:t>(5)</a:t>
+            </a:r>
+            <a:endParaRPr lang="en-US" dirty="0"/>
+          </a:p>
+        </p:txBody>
+      </p:sp>
+      <p:sp>
+        <p:nvSpPr>
+          <p:cNvPr id="5" name="Content Placeholder 13"/>
+          <p:cNvSpPr txBox="1">
+            <a:spLocks/>
+          </p:cNvSpPr>
+          <p:nvPr/>
+        </p:nvSpPr>
+        <p:spPr>
+          <a:xfrm>
+            <a:off x="6406661" y="1825624"/>
+            <a:ext cx="5210908" cy="1273175"/>
+          </a:xfrm>
+          <a:prstGeom prst="rect">
+            <a:avLst/>
+          </a:prstGeom>
+        </p:spPr>
+        <p:txBody>
+          <a:bodyPr vert="horz" lIns="91440" tIns="45720" rIns="91440" bIns="45720" rtlCol="0">
+            <a:normAutofit/>
+          </a:bodyPr>
+          <a:lstStyle>
+            <a:lvl1pPr marL="228600" indent="-228600" algn="l" defTabSz="914400" rtl="0" eaLnBrk="1" latinLnBrk="0" hangingPunct="1">
+              <a:lnSpc>
+                <a:spcPct val="90000"/>
+              </a:lnSpc>
+              <a:spcBef>
+                <a:spcPct val="30000"/>
+              </a:spcBef>
+              <a:buClr>
+                <a:schemeClr val="accent2"/>
+              </a:buClr>
+              <a:buFont typeface="Wingdings" panose="05000000000000000000" pitchFamily="2" charset="2"/>
+              <a:buChar char="§"/>
+              <a:defRPr sz="2800" kern="1200">
+                <a:solidFill>
+                  <a:schemeClr val="tx1"/>
+                </a:solidFill>
+                <a:latin typeface="+mn-lt"/>
+                <a:ea typeface="+mn-ea"/>
+                <a:cs typeface="+mn-cs"/>
+              </a:defRPr>
+            </a:lvl1pPr>
+            <a:lvl2pPr marL="685800" indent="-228600" algn="l" defTabSz="914400" rtl="0" eaLnBrk="1" latinLnBrk="0" hangingPunct="1">
+              <a:lnSpc>
+                <a:spcPct val="90000"/>
+              </a:lnSpc>
+              <a:spcBef>
+                <a:spcPct val="30000"/>
+              </a:spcBef>
+              <a:buClr>
+                <a:schemeClr val="accent2"/>
+              </a:buClr>
+              <a:buFont typeface="Wingdings" panose="05000000000000000000" pitchFamily="2" charset="2"/>
+              <a:buChar char="§"/>
+              <a:defRPr sz="2400" kern="1200">
+                <a:solidFill>
+                  <a:schemeClr val="tx1"/>
+                </a:solidFill>
+                <a:latin typeface="+mn-lt"/>
+                <a:ea typeface="+mn-ea"/>
+                <a:cs typeface="+mn-cs"/>
+              </a:defRPr>
+            </a:lvl2pPr>
+            <a:lvl3pPr marL="1143000" indent="-228600" algn="l" defTabSz="914400" rtl="0" eaLnBrk="1" latinLnBrk="0" hangingPunct="1">
+              <a:lnSpc>
+                <a:spcPct val="90000"/>
+              </a:lnSpc>
+              <a:spcBef>
+                <a:spcPct val="30000"/>
+              </a:spcBef>
+              <a:buClr>
+                <a:schemeClr val="accent2"/>
+              </a:buClr>
+              <a:buFont typeface="Wingdings" panose="05000000000000000000" pitchFamily="2" charset="2"/>
+              <a:buChar char="§"/>
+              <a:defRPr sz="2000" kern="1200">
+                <a:solidFill>
+                  <a:schemeClr val="tx1"/>
+                </a:solidFill>
+                <a:latin typeface="+mn-lt"/>
+                <a:ea typeface="+mn-ea"/>
+                <a:cs typeface="+mn-cs"/>
+              </a:defRPr>
+            </a:lvl3pPr>
+            <a:lvl4pPr marL="1600200" indent="-228600" algn="l" defTabSz="914400" rtl="0" eaLnBrk="1" latinLnBrk="0" hangingPunct="1">
+              <a:lnSpc>
+                <a:spcPct val="90000"/>
+              </a:lnSpc>
+              <a:spcBef>
+                <a:spcPct val="30000"/>
+              </a:spcBef>
+              <a:buClr>
+                <a:schemeClr val="accent2"/>
+              </a:buClr>
+              <a:buFont typeface="Wingdings" panose="05000000000000000000" pitchFamily="2" charset="2"/>
+              <a:buChar char="§"/>
+              <a:defRPr sz="1800" kern="1200">
+                <a:solidFill>
+                  <a:schemeClr val="tx1"/>
+                </a:solidFill>
+                <a:latin typeface="+mn-lt"/>
+                <a:ea typeface="+mn-ea"/>
+                <a:cs typeface="+mn-cs"/>
+              </a:defRPr>
+            </a:lvl4pPr>
+            <a:lvl5pPr marL="2057400" indent="-228600" algn="l" defTabSz="914400" rtl="0" eaLnBrk="1" latinLnBrk="0" hangingPunct="1">
+              <a:lnSpc>
+                <a:spcPct val="90000"/>
+              </a:lnSpc>
+              <a:spcBef>
+                <a:spcPct val="30000"/>
+              </a:spcBef>
+              <a:buClr>
+                <a:schemeClr val="accent2"/>
+              </a:buClr>
+              <a:buFont typeface="Wingdings" panose="05000000000000000000" pitchFamily="2" charset="2"/>
+              <a:buChar char="§"/>
+              <a:defRPr sz="1800" kern="1200">
+                <a:solidFill>
+                  <a:schemeClr val="tx1"/>
+                </a:solidFill>
+                <a:latin typeface="+mn-lt"/>
+                <a:ea typeface="+mn-ea"/>
+                <a:cs typeface="+mn-cs"/>
+              </a:defRPr>
+            </a:lvl5pPr>
+            <a:lvl6pPr marL="2514600" indent="-228600" algn="l" defTabSz="914400" rtl="0" eaLnBrk="1" latinLnBrk="0" hangingPunct="1">
+              <a:lnSpc>
+                <a:spcPct val="90000"/>
+              </a:lnSpc>
+              <a:spcBef>
+                <a:spcPct val="30000"/>
+              </a:spcBef>
+              <a:buClr>
+                <a:schemeClr val="accent2"/>
+              </a:buClr>
+              <a:buFont typeface="Wingdings" panose="05000000000000000000" pitchFamily="2" charset="2"/>
+              <a:buChar char="§"/>
+              <a:defRPr sz="1800" kern="1200">
+                <a:solidFill>
+                  <a:schemeClr val="tx1"/>
+                </a:solidFill>
+                <a:latin typeface="+mn-lt"/>
+                <a:ea typeface="+mn-ea"/>
+                <a:cs typeface="+mn-cs"/>
+              </a:defRPr>
+            </a:lvl6pPr>
+            <a:lvl7pPr marL="2971800" indent="-228600" algn="l" defTabSz="914400" rtl="0" eaLnBrk="1" latinLnBrk="0" hangingPunct="1">
+              <a:lnSpc>
+                <a:spcPct val="90000"/>
+              </a:lnSpc>
+              <a:spcBef>
+                <a:spcPct val="30000"/>
+              </a:spcBef>
+              <a:buClr>
+                <a:schemeClr val="accent2"/>
+              </a:buClr>
+              <a:buFont typeface="Wingdings" panose="05000000000000000000" pitchFamily="2" charset="2"/>
+              <a:buChar char="§"/>
+              <a:defRPr sz="1800" kern="1200">
+                <a:solidFill>
+                  <a:schemeClr val="tx1"/>
+                </a:solidFill>
+                <a:latin typeface="+mn-lt"/>
+                <a:ea typeface="+mn-ea"/>
+                <a:cs typeface="+mn-cs"/>
+              </a:defRPr>
+            </a:lvl7pPr>
+            <a:lvl8pPr marL="3429000" indent="-228600" algn="l" defTabSz="914400" rtl="0" eaLnBrk="1" latinLnBrk="0" hangingPunct="1">
+              <a:lnSpc>
+                <a:spcPct val="90000"/>
+              </a:lnSpc>
+              <a:spcBef>
+                <a:spcPct val="30000"/>
+              </a:spcBef>
+              <a:buClr>
+                <a:schemeClr val="accent2"/>
+              </a:buClr>
+              <a:buFont typeface="Wingdings" panose="05000000000000000000" pitchFamily="2" charset="2"/>
+              <a:buChar char="§"/>
+              <a:defRPr sz="1800" kern="1200">
+                <a:solidFill>
+                  <a:schemeClr val="tx1"/>
+                </a:solidFill>
+                <a:latin typeface="+mn-lt"/>
+                <a:ea typeface="+mn-ea"/>
+                <a:cs typeface="+mn-cs"/>
+              </a:defRPr>
+            </a:lvl8pPr>
+            <a:lvl9pPr marL="3886200" indent="-228600" algn="l" defTabSz="914400" rtl="0" eaLnBrk="1" latinLnBrk="0" hangingPunct="1">
+              <a:lnSpc>
+                <a:spcPct val="90000"/>
+              </a:lnSpc>
+              <a:spcBef>
+                <a:spcPct val="30000"/>
+              </a:spcBef>
+              <a:buClr>
+                <a:schemeClr val="accent2"/>
+              </a:buClr>
+              <a:buFont typeface="Wingdings" panose="05000000000000000000" pitchFamily="2" charset="2"/>
+              <a:buChar char="§"/>
+              <a:defRPr sz="1800" kern="1200">
+                <a:solidFill>
+                  <a:schemeClr val="tx1"/>
+                </a:solidFill>
+                <a:latin typeface="+mn-lt"/>
+                <a:ea typeface="+mn-ea"/>
+                <a:cs typeface="+mn-cs"/>
+              </a:defRPr>
+            </a:lvl9pPr>
+          </a:lstStyle>
+          <a:p>
+            <a:r>
+              <a:rPr lang="en-US" dirty="0"/>
+              <a:t>6</a:t>
+            </a:r>
+            <a:r>
+              <a:rPr lang="en-US" dirty="0" smtClean="0"/>
+              <a:t>. Artist Bar chart: quantitative visualizer</a:t>
+            </a:r>
+            <a:endParaRPr lang="en-US" dirty="0" smtClean="0"/>
+          </a:p>
+        </p:txBody>
+      </p:sp>
+      <p:pic>
+        <p:nvPicPr>
+          <p:cNvPr id="7" name="Picture 6"/>
+          <p:cNvPicPr/>
+          <p:nvPr/>
+        </p:nvPicPr>
+        <p:blipFill>
+          <a:blip r:embed="rId2"/>
+          <a:stretch>
+            <a:fillRect/>
+          </a:stretch>
+        </p:blipFill>
+        <p:spPr>
+          <a:xfrm>
+            <a:off x="6117466" y="3514726"/>
+            <a:ext cx="5500103" cy="2251270"/>
+          </a:xfrm>
+          <a:prstGeom prst="rect">
+            <a:avLst/>
+          </a:prstGeom>
+        </p:spPr>
+      </p:pic>
+      <p:pic>
+        <p:nvPicPr>
+          <p:cNvPr id="8" name="Picture 7"/>
+          <p:cNvPicPr/>
+          <p:nvPr/>
+        </p:nvPicPr>
+        <p:blipFill rotWithShape="1">
+          <a:blip r:embed="rId3"/>
+          <a:srcRect l="6851" t="18544" r="47874" b="4627"/>
+          <a:stretch/>
+        </p:blipFill>
+        <p:spPr bwMode="auto">
+          <a:xfrm>
+            <a:off x="1118895" y="2832316"/>
+            <a:ext cx="3790730" cy="3616091"/>
+          </a:xfrm>
+          <a:prstGeom prst="rect">
+            <a:avLst/>
+          </a:prstGeom>
+          <a:ln>
+            <a:noFill/>
+          </a:ln>
+          <a:extLst>
+            <a:ext uri="{53640926-AAD7-44D8-BBD7-CCE9431645EC}">
+              <a14:shadowObscured xmlns:a14="http://schemas.microsoft.com/office/drawing/2010/main"/>
+            </a:ext>
+          </a:extLst>
+        </p:spPr>
+      </p:pic>
+    </p:spTree>
+    <p:extLst>
+      <p:ext uri="{BB962C8B-B14F-4D97-AF65-F5344CB8AC3E}">
+        <p14:creationId xmlns:p14="http://schemas.microsoft.com/office/powerpoint/2010/main" val="1079571882"/>
+      </p:ext>
+    </p:extLst>
+  </p:cSld>
+  <p:clrMapOvr>
+    <a:masterClrMapping/>
+  </p:clrMapOvr>
+  <mc:AlternateContent xmlns:mc="http://schemas.openxmlformats.org/markup-compatibility/2006" xmlns:p14="http://schemas.microsoft.com/office/powerpoint/2010/main">
+    <mc:Choice Requires="p14">
+      <p:transition spd="med" p14:dur="700">
+        <p:fade/>
+      </p:transition>
+    </mc:Choice>
+    <mc:Fallback xmlns="">
+      <p:transition spd="med">
+        <p:fade/>
+      </p:transition>
+    </mc:Fallback>
+  </mc:AlternateContent>
+  <p:timing>
+    <p:tnLst>
+      <p:par>
+        <p:cTn id="1" dur="indefinite" restart="never" nodeType="tmRoot"/>
+      </p:par>
+    </p:tnLst>
+  </p:timing>
+</p:sld>
+</file>
+
+<file path=ppt/slides/slide12.xml><?xml version="1.0" encoding="utf-8"?>
+<p:sld xmlns:a="http://schemas.openxmlformats.org/drawingml/2006/main" xmlns:r="http://schemas.openxmlformats.org/officeDocument/2006/relationships" xmlns:p="http://schemas.openxmlformats.org/presentationml/2006/main">
+  <p:cSld>
+    <p:spTree>
+      <p:nvGrpSpPr>
+        <p:cNvPr id="1" name=""/>
+        <p:cNvGrpSpPr/>
+        <p:nvPr/>
+      </p:nvGrpSpPr>
+      <p:grpSpPr>
+        <a:xfrm>
+          <a:off x="0" y="0"/>
+          <a:ext cx="0" cy="0"/>
+          <a:chOff x="0" y="0"/>
+          <a:chExt cx="0" cy="0"/>
+        </a:xfrm>
+      </p:grpSpPr>
+      <p:sp>
+        <p:nvSpPr>
+          <p:cNvPr id="14" name="Content Placeholder 13"/>
+          <p:cNvSpPr>
+            <a:spLocks noGrp="1"/>
+          </p:cNvSpPr>
+          <p:nvPr>
+            <p:ph idx="1"/>
+          </p:nvPr>
+        </p:nvSpPr>
+        <p:spPr>
+          <a:xfrm>
+            <a:off x="838200" y="2574925"/>
+            <a:ext cx="10515600" cy="3051175"/>
+          </a:xfrm>
+        </p:spPr>
+        <p:txBody>
+          <a:bodyPr>
+            <a:normAutofit/>
+          </a:bodyPr>
+          <a:lstStyle/>
+          <a:p>
+            <a:pPr lvl="0"/>
+            <a:r>
+              <a:rPr lang="en-US" dirty="0" smtClean="0"/>
+              <a:t>Improve the question answering system</a:t>
+            </a:r>
+            <a:endParaRPr lang="en-US" dirty="0" smtClean="0"/>
+          </a:p>
+          <a:p>
+            <a:pPr lvl="0"/>
+            <a:r>
+              <a:rPr lang="en-US" dirty="0" smtClean="0"/>
+              <a:t>Better UI/</a:t>
+            </a:r>
+            <a:r>
+              <a:rPr lang="en-US" dirty="0" err="1" smtClean="0"/>
+              <a:t>UX</a:t>
+            </a:r>
+            <a:endParaRPr lang="en-US" dirty="0" smtClean="0"/>
+          </a:p>
+          <a:p>
+            <a:pPr marL="0" lvl="0" indent="0">
+              <a:buNone/>
+            </a:pPr>
+            <a:endParaRPr lang="en-US" dirty="0" smtClean="0"/>
+          </a:p>
+        </p:txBody>
+      </p:sp>
+      <p:sp>
+        <p:nvSpPr>
+          <p:cNvPr id="13" name="Title 12"/>
+          <p:cNvSpPr>
+            <a:spLocks noGrp="1"/>
+          </p:cNvSpPr>
+          <p:nvPr>
+            <p:ph type="title"/>
+          </p:nvPr>
+        </p:nvSpPr>
+        <p:spPr/>
+        <p:txBody>
+          <a:bodyPr/>
+          <a:lstStyle/>
+          <a:p>
+            <a:r>
+              <a:rPr lang="en-US" dirty="0" smtClean="0"/>
+              <a:t>What’s next?</a:t>
+            </a:r>
+            <a:endParaRPr lang="en-US" dirty="0"/>
+          </a:p>
+        </p:txBody>
+      </p:sp>
+    </p:spTree>
+    <p:extLst>
+      <p:ext uri="{BB962C8B-B14F-4D97-AF65-F5344CB8AC3E}">
+        <p14:creationId xmlns:p14="http://schemas.microsoft.com/office/powerpoint/2010/main" val="2025701893"/>
+      </p:ext>
+    </p:extLst>
+  </p:cSld>
+  <p:clrMapOvr>
+    <a:masterClrMapping/>
+  </p:clrMapOvr>
+  <mc:AlternateContent xmlns:mc="http://schemas.openxmlformats.org/markup-compatibility/2006" xmlns:p14="http://schemas.microsoft.com/office/powerpoint/2010/main">
+    <mc:Choice Requires="p14">
+      <p:transition spd="med" p14:dur="700">
+        <p:fade/>
+      </p:transition>
+    </mc:Choice>
+    <mc:Fallback xmlns="">
+      <p:transition spd="med">
+        <p:fade/>
+      </p:transition>
+    </mc:Fallback>
+  </mc:AlternateContent>
+  <p:timing>
+    <p:tnLst>
+      <p:par>
+        <p:cTn id="1" dur="indefinite" restart="never" nodeType="tmRoot"/>
+      </p:par>
+    </p:tnLst>
+  </p:timing>
+</p:sld>
+</file>
+
+<file path=ppt/slides/slide13.xml><?xml version="1.0" encoding="utf-8"?>
+<p:sld xmlns:a="http://schemas.openxmlformats.org/drawingml/2006/main" xmlns:r="http://schemas.openxmlformats.org/officeDocument/2006/relationships" xmlns:p="http://schemas.openxmlformats.org/presentationml/2006/main">
+  <p:cSld>
+    <p:spTree>
+      <p:nvGrpSpPr>
+        <p:cNvPr id="1" name=""/>
+        <p:cNvGrpSpPr/>
+        <p:nvPr/>
+      </p:nvGrpSpPr>
+      <p:grpSpPr>
+        <a:xfrm>
+          <a:off x="0" y="0"/>
+          <a:ext cx="0" cy="0"/>
+          <a:chOff x="0" y="0"/>
+          <a:chExt cx="0" cy="0"/>
+        </a:xfrm>
+      </p:grpSpPr>
+      <p:sp>
+        <p:nvSpPr>
           <p:cNvPr id="13" name="Title 12"/>
           <p:cNvSpPr>
             <a:spLocks noGrp="1"/>
@@ -5414,7 +5961,7 @@
 </p:sld>
 </file>
 
-<file path=ppt/slides/slide12.xml><?xml version="1.0" encoding="utf-8"?>
+<file path=ppt/slides/slide14.xml><?xml version="1.0" encoding="utf-8"?>
 <p:sld xmlns:a="http://schemas.openxmlformats.org/drawingml/2006/main" xmlns:r="http://schemas.openxmlformats.org/officeDocument/2006/relationships" xmlns:p="http://schemas.openxmlformats.org/presentationml/2006/main">
   <p:cSld>
     <p:spTree>
@@ -5887,17 +6434,8 @@
             <a:pPr lvl="2"/>
             <a:r>
               <a:rPr lang="en-US" dirty="0" smtClean="0"/>
-              <a:t>While </a:t>
-            </a:r>
-            <a:r>
-              <a:rPr lang="en-US" dirty="0" smtClean="0"/>
-              <a:t>on a business trip, he wants to visit local museums and </a:t>
-            </a:r>
-            <a:r>
-              <a:rPr lang="en-US" dirty="0" smtClean="0"/>
-              <a:t>artworks</a:t>
-            </a:r>
-            <a:endParaRPr lang="en-US" dirty="0" smtClean="0"/>
+              <a:t>While on a business trip, he wants to visit local museums and artworks</a:t>
+            </a:r>
           </a:p>
         </p:txBody>
       </p:sp>
@@ -6074,7 +6612,7 @@
       </p:sp>
       <p:pic>
         <p:nvPicPr>
-          <p:cNvPr id="2" name="Picture 1"/>
+          <p:cNvPr id="5" name="Picture 4"/>
           <p:cNvPicPr>
             <a:picLocks noChangeAspect="1"/>
           </p:cNvPicPr>
@@ -6094,100 +6632,14 @@
         </p:blipFill>
         <p:spPr>
           <a:xfrm>
-            <a:off x="1206500" y="1462088"/>
-            <a:ext cx="6198394" cy="5167312"/>
+            <a:off x="996200" y="1505254"/>
+            <a:ext cx="6192000" cy="5169856"/>
           </a:xfrm>
           <a:prstGeom prst="rect">
             <a:avLst/>
           </a:prstGeom>
         </p:spPr>
       </p:pic>
-      <p:sp>
-        <p:nvSpPr>
-          <p:cNvPr id="3" name="Arc 2"/>
-          <p:cNvSpPr/>
-          <p:nvPr/>
-        </p:nvSpPr>
-        <p:spPr>
-          <a:xfrm rot="4455942">
-            <a:off x="3771901" y="3390901"/>
-            <a:ext cx="2235200" cy="3073400"/>
-          </a:xfrm>
-          <a:prstGeom prst="arc">
-            <a:avLst/>
-          </a:prstGeom>
-          <a:ln>
-            <a:solidFill>
-              <a:schemeClr val="bg1">
-                <a:lumMod val="50000"/>
-              </a:schemeClr>
-            </a:solidFill>
-          </a:ln>
-        </p:spPr>
-        <p:style>
-          <a:lnRef idx="1">
-            <a:schemeClr val="dk1"/>
-          </a:lnRef>
-          <a:fillRef idx="0">
-            <a:schemeClr val="dk1"/>
-          </a:fillRef>
-          <a:effectRef idx="0">
-            <a:schemeClr val="dk1"/>
-          </a:effectRef>
-          <a:fontRef idx="minor">
-            <a:schemeClr val="tx1"/>
-          </a:fontRef>
-        </p:style>
-        <p:txBody>
-          <a:bodyPr rtlCol="0" anchor="ctr"/>
-          <a:lstStyle/>
-          <a:p>
-            <a:pPr algn="ctr"/>
-            <a:endParaRPr lang="en-US"/>
-          </a:p>
-        </p:txBody>
-      </p:sp>
-      <p:sp>
-        <p:nvSpPr>
-          <p:cNvPr id="4" name="TextBox 3"/>
-          <p:cNvSpPr txBox="1"/>
-          <p:nvPr/>
-        </p:nvSpPr>
-        <p:spPr>
-          <a:xfrm>
-            <a:off x="5749707" y="4406900"/>
-            <a:ext cx="1079142" cy="253916"/>
-          </a:xfrm>
-          <a:prstGeom prst="rect">
-            <a:avLst/>
-          </a:prstGeom>
-          <a:noFill/>
-          <a:ln>
-            <a:solidFill>
-              <a:schemeClr val="tx2">
-                <a:lumMod val="20000"/>
-                <a:lumOff val="80000"/>
-              </a:schemeClr>
-            </a:solidFill>
-          </a:ln>
-        </p:spPr>
-        <p:txBody>
-          <a:bodyPr wrap="none" rtlCol="0">
-            <a:spAutoFit/>
-          </a:bodyPr>
-          <a:lstStyle/>
-          <a:p>
-            <a:r>
-              <a:rPr lang="en-US" sz="1050" dirty="0" err="1"/>
-              <a:t>Europeana</a:t>
-            </a:r>
-            <a:r>
-              <a:rPr lang="en-US" sz="1050" dirty="0"/>
-              <a:t> ID</a:t>
-            </a:r>
-          </a:p>
-        </p:txBody>
-      </p:sp>
     </p:spTree>
     <p:extLst>
       <p:ext uri="{BB962C8B-B14F-4D97-AF65-F5344CB8AC3E}">
@@ -6356,6 +6808,35 @@
               <a:t>)</a:t>
             </a:r>
           </a:p>
+          <a:p>
+            <a:r>
+              <a:rPr lang="en-US" dirty="0" smtClean="0"/>
+              <a:t>Question Answering System: Python (</a:t>
+            </a:r>
+            <a:r>
+              <a:rPr lang="en-US" dirty="0" err="1" smtClean="0"/>
+              <a:t>Quepy</a:t>
+            </a:r>
+            <a:r>
+              <a:rPr lang="en-US" dirty="0" smtClean="0"/>
+              <a:t> framework, </a:t>
+            </a:r>
+            <a:r>
+              <a:rPr lang="en-US" dirty="0" err="1" smtClean="0"/>
+              <a:t>NLTK</a:t>
+            </a:r>
+            <a:r>
+              <a:rPr lang="en-US" dirty="0" smtClean="0"/>
+              <a:t>)</a:t>
+            </a:r>
+          </a:p>
+          <a:p>
+            <a:r>
+              <a:rPr lang="en-US" dirty="0" smtClean="0"/>
+              <a:t>Web Service: Python (Bottle)</a:t>
+            </a:r>
+            <a:endParaRPr lang="en-US" dirty="0" smtClean="0"/>
+          </a:p>
         </p:txBody>
       </p:sp>
       <p:sp>
@@ -6483,36 +6964,6 @@
           </a:p>
         </p:txBody>
       </p:sp>
-      <p:pic>
-        <p:nvPicPr>
-          <p:cNvPr id="3" name="Picture 2"/>
-          <p:cNvPicPr>
-            <a:picLocks noChangeAspect="1"/>
-          </p:cNvPicPr>
-          <p:nvPr/>
-        </p:nvPicPr>
-        <p:blipFill>
-          <a:blip r:embed="rId2">
-            <a:extLst>
-              <a:ext uri="{28A0092B-C50C-407E-A947-70E740481C1C}">
-                <a14:useLocalDpi xmlns:a14="http://schemas.microsoft.com/office/drawing/2010/main" val="0"/>
-              </a:ext>
-            </a:extLst>
-          </a:blip>
-          <a:stretch>
-            <a:fillRect/>
-          </a:stretch>
-        </p:blipFill>
-        <p:spPr>
-          <a:xfrm>
-            <a:off x="2016380" y="3437930"/>
-            <a:ext cx="3396739" cy="3213956"/>
-          </a:xfrm>
-          <a:prstGeom prst="rect">
-            <a:avLst/>
-          </a:prstGeom>
-        </p:spPr>
-      </p:pic>
       <p:sp>
         <p:nvSpPr>
           <p:cNvPr id="4" name="TextBox 3"/>
@@ -6576,16 +7027,20 @@
               <a:t> </a:t>
             </a:r>
             <a:r>
-              <a:rPr lang="en-US" dirty="0">
+              <a:rPr lang="en-US" dirty="0" smtClean="0">
                 <a:solidFill>
-                  <a:schemeClr val="accent4"/>
+                  <a:srgbClr val="FF0000"/>
                 </a:solidFill>
               </a:rPr>
-              <a:t>Yellow</a:t>
+              <a:t>Red-</a:t>
+            </a:r>
+            <a:r>
+              <a:rPr lang="en-US" dirty="0" smtClean="0"/>
+              <a:t> </a:t>
             </a:r>
             <a:r>
               <a:rPr lang="en-US" dirty="0"/>
-              <a:t> - has influenced </a:t>
+              <a:t>has influenced </a:t>
             </a:r>
             <a:r>
               <a:rPr lang="en-US" dirty="0" smtClean="0"/>
@@ -6666,10 +7121,37 @@
       </p:sp>
       <p:pic>
         <p:nvPicPr>
-          <p:cNvPr id="7" name="Picture 6"/>
-          <p:cNvPicPr>
-            <a:picLocks noChangeAspect="1"/>
-          </p:cNvPicPr>
+          <p:cNvPr id="8" name="Picture 7"/>
+          <p:cNvPicPr/>
+          <p:nvPr/>
+        </p:nvPicPr>
+        <p:blipFill rotWithShape="1">
+          <a:blip r:embed="rId2"/>
+          <a:srcRect l="8426" t="18544" r="52045" b="4882"/>
+          <a:stretch/>
+        </p:blipFill>
+        <p:spPr bwMode="auto">
+          <a:xfrm>
+            <a:off x="2059468" y="3415030"/>
+            <a:ext cx="3161665" cy="3442970"/>
+          </a:xfrm>
+          <a:prstGeom prst="rect">
+            <a:avLst/>
+          </a:prstGeom>
+          <a:ln>
+            <a:noFill/>
+          </a:ln>
+          <a:extLst>
+            <a:ext uri="{53640926-AAD7-44D8-BBD7-CCE9431645EC}">
+              <a14:shadowObscured xmlns:a14="http://schemas.microsoft.com/office/drawing/2010/main"/>
+            </a:ext>
+          </a:extLst>
+        </p:spPr>
+      </p:pic>
+      <p:pic>
+        <p:nvPicPr>
+          <p:cNvPr id="9" name="Picture 8"/>
+          <p:cNvPicPr/>
           <p:nvPr/>
         </p:nvPicPr>
         <p:blipFill>
@@ -6680,12 +7162,17 @@
         </p:blipFill>
         <p:spPr>
           <a:xfrm>
-            <a:off x="7959082" y="3437930"/>
-            <a:ext cx="2579688" cy="3347555"/>
+            <a:off x="7962063" y="3415030"/>
+            <a:ext cx="2265149" cy="3366192"/>
           </a:xfrm>
           <a:prstGeom prst="rect">
             <a:avLst/>
           </a:prstGeom>
+          <a:ln>
+            <a:solidFill>
+              <a:schemeClr val="bg1"/>
+            </a:solidFill>
+          </a:ln>
         </p:spPr>
       </p:pic>
     </p:spTree>
@@ -6810,10 +7297,8 @@
       </p:sp>
       <p:pic>
         <p:nvPicPr>
-          <p:cNvPr id="3" name="Picture 2"/>
-          <p:cNvPicPr>
-            <a:picLocks noChangeAspect="1"/>
-          </p:cNvPicPr>
+          <p:cNvPr id="5" name="Picture 4"/>
+          <p:cNvPicPr/>
           <p:nvPr/>
         </p:nvPicPr>
         <p:blipFill>
@@ -6824,8 +7309,8 @@
         </p:blipFill>
         <p:spPr>
           <a:xfrm>
-            <a:off x="1454150" y="3098800"/>
-            <a:ext cx="8807449" cy="3463723"/>
+            <a:off x="2515039" y="3000326"/>
+            <a:ext cx="7703170" cy="3574952"/>
           </a:xfrm>
           <a:prstGeom prst="rect">
             <a:avLst/>
@@ -6954,10 +7439,8 @@
       </p:sp>
       <p:pic>
         <p:nvPicPr>
-          <p:cNvPr id="4" name="Picture 3"/>
-          <p:cNvPicPr>
-            <a:picLocks noChangeAspect="1"/>
-          </p:cNvPicPr>
+          <p:cNvPr id="5" name="Picture 4"/>
+          <p:cNvPicPr/>
           <p:nvPr/>
         </p:nvPicPr>
         <p:blipFill>
@@ -6968,8 +7451,36 @@
         </p:blipFill>
         <p:spPr>
           <a:xfrm>
-            <a:off x="1379537" y="3448050"/>
-            <a:ext cx="8620125" cy="2171700"/>
+            <a:off x="2592520" y="4886575"/>
+            <a:ext cx="7006959" cy="1572762"/>
+          </a:xfrm>
+          <a:prstGeom prst="rect">
+            <a:avLst/>
+          </a:prstGeom>
+          <a:ln>
+            <a:solidFill>
+              <a:schemeClr val="bg1"/>
+            </a:solidFill>
+          </a:ln>
+        </p:spPr>
+      </p:pic>
+      <p:pic>
+        <p:nvPicPr>
+          <p:cNvPr id="2" name="Picture 1"/>
+          <p:cNvPicPr>
+            <a:picLocks noChangeAspect="1"/>
+          </p:cNvPicPr>
+          <p:nvPr/>
+        </p:nvPicPr>
+        <p:blipFill rotWithShape="1">
+          <a:blip r:embed="rId3"/>
+          <a:srcRect l="66074" t="27164" r="18249" b="63413"/>
+          <a:stretch/>
+        </p:blipFill>
+        <p:spPr>
+          <a:xfrm>
+            <a:off x="4501662" y="3367549"/>
+            <a:ext cx="3699803" cy="1250277"/>
           </a:xfrm>
           <a:prstGeom prst="rect">
             <a:avLst/>
